--- a/docs/diagrams/FolderOperationsSequenceDiagrams.pptx
+++ b/docs/diagrams/FolderOperationsSequenceDiagrams.pptx
@@ -9883,8 +9883,8 @@
         </p:nvSpPr>
         <p:spPr>
           <a:xfrm>
-            <a:off x="4353657" y="4391503"/>
-            <a:ext cx="4269552" cy="1721555"/>
+            <a:off x="4361914" y="4391503"/>
+            <a:ext cx="4261295" cy="1721555"/>
           </a:xfrm>
           <a:prstGeom prst="rect">
             <a:avLst/>
@@ -10262,8 +10262,8 @@
         </p:nvSpPr>
         <p:spPr>
           <a:xfrm>
-            <a:off x="6578648" y="4932107"/>
-            <a:ext cx="1651179" cy="369588"/>
+            <a:off x="6675599" y="4941114"/>
+            <a:ext cx="1364281" cy="369588"/>
           </a:xfrm>
           <a:prstGeom prst="rect">
             <a:avLst/>
@@ -10289,24 +10289,14 @@
           <a:p>
             <a:pPr algn="ctr"/>
             <a:r>
-              <a:rPr lang="en-US" sz="1201" dirty="0">
+              <a:rPr lang="en-US" sz="1201" dirty="0" err="1">
                 <a:solidFill>
                   <a:schemeClr val="accent4">
                     <a:lumMod val="75000"/>
                   </a:schemeClr>
                 </a:solidFill>
               </a:rPr>
-              <a:t> </a:t>
-            </a:r>
-            <a:r>
-              <a:rPr lang="en-US" sz="1201" dirty="0" err="1">
-                <a:solidFill>
-                  <a:schemeClr val="accent4">
-                    <a:lumMod val="75000"/>
-                  </a:schemeClr>
-                </a:solidFill>
-              </a:rPr>
-              <a:t>model.enterFolder</a:t>
+              <a:t>enterFolder</a:t>
             </a:r>
             <a:r>
               <a:rPr lang="en-US" sz="1201" dirty="0">
@@ -10791,8 +10781,8 @@
         </p:nvSpPr>
         <p:spPr>
           <a:xfrm>
-            <a:off x="178594" y="417147"/>
-            <a:ext cx="8295138" cy="5482004"/>
+            <a:off x="178593" y="417147"/>
+            <a:ext cx="8336699" cy="5482004"/>
           </a:xfrm>
           <a:prstGeom prst="roundRect">
             <a:avLst>
@@ -10855,8 +10845,8 @@
         </p:nvSpPr>
         <p:spPr>
           <a:xfrm>
-            <a:off x="8670811" y="417145"/>
-            <a:ext cx="1508126" cy="5482005"/>
+            <a:off x="8665936" y="417145"/>
+            <a:ext cx="1448484" cy="5482005"/>
           </a:xfrm>
           <a:prstGeom prst="roundRect">
             <a:avLst>
@@ -10980,8 +10970,8 @@
         </p:nvCxnSpPr>
         <p:spPr>
           <a:xfrm flipH="1">
-            <a:off x="9424874" y="1270795"/>
-            <a:ext cx="10390" cy="4628355"/>
+            <a:off x="9390178" y="1270795"/>
+            <a:ext cx="45086" cy="4628355"/>
           </a:xfrm>
           <a:prstGeom prst="line">
             <a:avLst/>
@@ -12371,7 +12361,7 @@
         </p:nvCxnSpPr>
         <p:spPr>
           <a:xfrm flipV="1">
-            <a:off x="1626225" y="4726645"/>
+            <a:off x="1637800" y="4726645"/>
             <a:ext cx="4064332" cy="7570"/>
           </a:xfrm>
           <a:prstGeom prst="straightConnector1">
@@ -12518,7 +12508,7 @@
         </p:nvCxnSpPr>
         <p:spPr>
           <a:xfrm>
-            <a:off x="0" y="1674021"/>
+            <a:off x="0" y="1627721"/>
             <a:ext cx="1514835" cy="0"/>
           </a:xfrm>
           <a:prstGeom prst="straightConnector1">
@@ -12562,7 +12552,7 @@
         </p:nvSpPr>
         <p:spPr>
           <a:xfrm>
-            <a:off x="231467" y="1423480"/>
+            <a:off x="231467" y="1385025"/>
             <a:ext cx="1264490" cy="184794"/>
           </a:xfrm>
           <a:prstGeom prst="rect">

--- a/docs/diagrams/FolderOperationsSequenceDiagrams.pptx
+++ b/docs/diagrams/FolderOperationsSequenceDiagrams.pptx
@@ -211,7 +211,7 @@
           <a:p>
             <a:fld id="{F5CC4B3F-88C1-4FFA-B1B6-F41C21DC6924}" type="datetimeFigureOut">
               <a:rPr lang="en-US" smtClean="0"/>
-              <a:t>3/30/2019</a:t>
+              <a:t>3/31/2019</a:t>
             </a:fld>
             <a:endParaRPr lang="en-US"/>
           </a:p>
@@ -1013,7 +1013,7 @@
           <a:p>
             <a:fld id="{78C97017-6FC3-485B-9764-EAC9E56C1D49}" type="datetimeFigureOut">
               <a:rPr lang="en-US" smtClean="0"/>
-              <a:t>3/30/2019</a:t>
+              <a:t>3/31/2019</a:t>
             </a:fld>
             <a:endParaRPr lang="en-US"/>
           </a:p>
@@ -1181,7 +1181,7 @@
           <a:p>
             <a:fld id="{78C97017-6FC3-485B-9764-EAC9E56C1D49}" type="datetimeFigureOut">
               <a:rPr lang="en-US" smtClean="0"/>
-              <a:t>3/30/2019</a:t>
+              <a:t>3/31/2019</a:t>
             </a:fld>
             <a:endParaRPr lang="en-US"/>
           </a:p>
@@ -1359,7 +1359,7 @@
           <a:p>
             <a:fld id="{78C97017-6FC3-485B-9764-EAC9E56C1D49}" type="datetimeFigureOut">
               <a:rPr lang="en-US" smtClean="0"/>
-              <a:t>3/30/2019</a:t>
+              <a:t>3/31/2019</a:t>
             </a:fld>
             <a:endParaRPr lang="en-US"/>
           </a:p>
@@ -1527,7 +1527,7 @@
           <a:p>
             <a:fld id="{78C97017-6FC3-485B-9764-EAC9E56C1D49}" type="datetimeFigureOut">
               <a:rPr lang="en-US" smtClean="0"/>
-              <a:t>3/30/2019</a:t>
+              <a:t>3/31/2019</a:t>
             </a:fld>
             <a:endParaRPr lang="en-US"/>
           </a:p>
@@ -1772,7 +1772,7 @@
           <a:p>
             <a:fld id="{78C97017-6FC3-485B-9764-EAC9E56C1D49}" type="datetimeFigureOut">
               <a:rPr lang="en-US" smtClean="0"/>
-              <a:t>3/30/2019</a:t>
+              <a:t>3/31/2019</a:t>
             </a:fld>
             <a:endParaRPr lang="en-US"/>
           </a:p>
@@ -2057,7 +2057,7 @@
           <a:p>
             <a:fld id="{78C97017-6FC3-485B-9764-EAC9E56C1D49}" type="datetimeFigureOut">
               <a:rPr lang="en-US" smtClean="0"/>
-              <a:t>3/30/2019</a:t>
+              <a:t>3/31/2019</a:t>
             </a:fld>
             <a:endParaRPr lang="en-US"/>
           </a:p>
@@ -2476,7 +2476,7 @@
           <a:p>
             <a:fld id="{78C97017-6FC3-485B-9764-EAC9E56C1D49}" type="datetimeFigureOut">
               <a:rPr lang="en-US" smtClean="0"/>
-              <a:t>3/30/2019</a:t>
+              <a:t>3/31/2019</a:t>
             </a:fld>
             <a:endParaRPr lang="en-US"/>
           </a:p>
@@ -2593,7 +2593,7 @@
           <a:p>
             <a:fld id="{78C97017-6FC3-485B-9764-EAC9E56C1D49}" type="datetimeFigureOut">
               <a:rPr lang="en-US" smtClean="0"/>
-              <a:t>3/30/2019</a:t>
+              <a:t>3/31/2019</a:t>
             </a:fld>
             <a:endParaRPr lang="en-US"/>
           </a:p>
@@ -2688,7 +2688,7 @@
           <a:p>
             <a:fld id="{78C97017-6FC3-485B-9764-EAC9E56C1D49}" type="datetimeFigureOut">
               <a:rPr lang="en-US" smtClean="0"/>
-              <a:t>3/30/2019</a:t>
+              <a:t>3/31/2019</a:t>
             </a:fld>
             <a:endParaRPr lang="en-US"/>
           </a:p>
@@ -2963,7 +2963,7 @@
           <a:p>
             <a:fld id="{78C97017-6FC3-485B-9764-EAC9E56C1D49}" type="datetimeFigureOut">
               <a:rPr lang="en-US" smtClean="0"/>
-              <a:t>3/30/2019</a:t>
+              <a:t>3/31/2019</a:t>
             </a:fld>
             <a:endParaRPr lang="en-US"/>
           </a:p>
@@ -3215,7 +3215,7 @@
           <a:p>
             <a:fld id="{78C97017-6FC3-485B-9764-EAC9E56C1D49}" type="datetimeFigureOut">
               <a:rPr lang="en-US" smtClean="0"/>
-              <a:t>3/30/2019</a:t>
+              <a:t>3/31/2019</a:t>
             </a:fld>
             <a:endParaRPr lang="en-US"/>
           </a:p>
@@ -3426,7 +3426,7 @@
           <a:p>
             <a:fld id="{78C97017-6FC3-485B-9764-EAC9E56C1D49}" type="datetimeFigureOut">
               <a:rPr lang="en-US" smtClean="0"/>
-              <a:t>3/30/2019</a:t>
+              <a:t>3/31/2019</a:t>
             </a:fld>
             <a:endParaRPr lang="en-US"/>
           </a:p>
@@ -12696,7 +12696,7 @@
                   <a:schemeClr val="bg1"/>
                 </a:solidFill>
               </a:rPr>
-              <a:t>fullScreenPlaceHolder:StackPane</a:t>
+              <a:t>fullScreenPlaceholder:StackPane</a:t>
             </a:r>
             <a:endParaRPr lang="en-SG" sz="1400" dirty="0">
               <a:solidFill>

--- a/docs/diagrams/FolderOperationsSequenceDiagrams.pptx
+++ b/docs/diagrams/FolderOperationsSequenceDiagrams.pptx
@@ -211,7 +211,7 @@
           <a:p>
             <a:fld id="{F5CC4B3F-88C1-4FFA-B1B6-F41C21DC6924}" type="datetimeFigureOut">
               <a:rPr lang="en-US" smtClean="0"/>
-              <a:t>3/31/2019</a:t>
+              <a:t>4/13/2019</a:t>
             </a:fld>
             <a:endParaRPr lang="en-US"/>
           </a:p>
@@ -1013,7 +1013,7 @@
           <a:p>
             <a:fld id="{78C97017-6FC3-485B-9764-EAC9E56C1D49}" type="datetimeFigureOut">
               <a:rPr lang="en-US" smtClean="0"/>
-              <a:t>3/31/2019</a:t>
+              <a:t>4/13/2019</a:t>
             </a:fld>
             <a:endParaRPr lang="en-US"/>
           </a:p>
@@ -1181,7 +1181,7 @@
           <a:p>
             <a:fld id="{78C97017-6FC3-485B-9764-EAC9E56C1D49}" type="datetimeFigureOut">
               <a:rPr lang="en-US" smtClean="0"/>
-              <a:t>3/31/2019</a:t>
+              <a:t>4/13/2019</a:t>
             </a:fld>
             <a:endParaRPr lang="en-US"/>
           </a:p>
@@ -1359,7 +1359,7 @@
           <a:p>
             <a:fld id="{78C97017-6FC3-485B-9764-EAC9E56C1D49}" type="datetimeFigureOut">
               <a:rPr lang="en-US" smtClean="0"/>
-              <a:t>3/31/2019</a:t>
+              <a:t>4/13/2019</a:t>
             </a:fld>
             <a:endParaRPr lang="en-US"/>
           </a:p>
@@ -1527,7 +1527,7 @@
           <a:p>
             <a:fld id="{78C97017-6FC3-485B-9764-EAC9E56C1D49}" type="datetimeFigureOut">
               <a:rPr lang="en-US" smtClean="0"/>
-              <a:t>3/31/2019</a:t>
+              <a:t>4/13/2019</a:t>
             </a:fld>
             <a:endParaRPr lang="en-US"/>
           </a:p>
@@ -1772,7 +1772,7 @@
           <a:p>
             <a:fld id="{78C97017-6FC3-485B-9764-EAC9E56C1D49}" type="datetimeFigureOut">
               <a:rPr lang="en-US" smtClean="0"/>
-              <a:t>3/31/2019</a:t>
+              <a:t>4/13/2019</a:t>
             </a:fld>
             <a:endParaRPr lang="en-US"/>
           </a:p>
@@ -2057,7 +2057,7 @@
           <a:p>
             <a:fld id="{78C97017-6FC3-485B-9764-EAC9E56C1D49}" type="datetimeFigureOut">
               <a:rPr lang="en-US" smtClean="0"/>
-              <a:t>3/31/2019</a:t>
+              <a:t>4/13/2019</a:t>
             </a:fld>
             <a:endParaRPr lang="en-US"/>
           </a:p>
@@ -2476,7 +2476,7 @@
           <a:p>
             <a:fld id="{78C97017-6FC3-485B-9764-EAC9E56C1D49}" type="datetimeFigureOut">
               <a:rPr lang="en-US" smtClean="0"/>
-              <a:t>3/31/2019</a:t>
+              <a:t>4/13/2019</a:t>
             </a:fld>
             <a:endParaRPr lang="en-US"/>
           </a:p>
@@ -2593,7 +2593,7 @@
           <a:p>
             <a:fld id="{78C97017-6FC3-485B-9764-EAC9E56C1D49}" type="datetimeFigureOut">
               <a:rPr lang="en-US" smtClean="0"/>
-              <a:t>3/31/2019</a:t>
+              <a:t>4/13/2019</a:t>
             </a:fld>
             <a:endParaRPr lang="en-US"/>
           </a:p>
@@ -2688,7 +2688,7 @@
           <a:p>
             <a:fld id="{78C97017-6FC3-485B-9764-EAC9E56C1D49}" type="datetimeFigureOut">
               <a:rPr lang="en-US" smtClean="0"/>
-              <a:t>3/31/2019</a:t>
+              <a:t>4/13/2019</a:t>
             </a:fld>
             <a:endParaRPr lang="en-US"/>
           </a:p>
@@ -2963,7 +2963,7 @@
           <a:p>
             <a:fld id="{78C97017-6FC3-485B-9764-EAC9E56C1D49}" type="datetimeFigureOut">
               <a:rPr lang="en-US" smtClean="0"/>
-              <a:t>3/31/2019</a:t>
+              <a:t>4/13/2019</a:t>
             </a:fld>
             <a:endParaRPr lang="en-US"/>
           </a:p>
@@ -3215,7 +3215,7 @@
           <a:p>
             <a:fld id="{78C97017-6FC3-485B-9764-EAC9E56C1D49}" type="datetimeFigureOut">
               <a:rPr lang="en-US" smtClean="0"/>
-              <a:t>3/31/2019</a:t>
+              <a:t>4/13/2019</a:t>
             </a:fld>
             <a:endParaRPr lang="en-US"/>
           </a:p>
@@ -3426,7 +3426,7 @@
           <a:p>
             <a:fld id="{78C97017-6FC3-485B-9764-EAC9E56C1D49}" type="datetimeFigureOut">
               <a:rPr lang="en-US" smtClean="0"/>
-              <a:t>3/31/2019</a:t>
+              <a:t>4/13/2019</a:t>
             </a:fld>
             <a:endParaRPr lang="en-US"/>
           </a:p>
@@ -4506,8 +4506,8 @@
         </p:nvSpPr>
         <p:spPr>
           <a:xfrm>
-            <a:off x="4888191" y="2470151"/>
-            <a:ext cx="855809" cy="184794"/>
+            <a:off x="4188767" y="2457450"/>
+            <a:ext cx="1580633" cy="184794"/>
           </a:xfrm>
           <a:prstGeom prst="rect">
             <a:avLst/>
@@ -4533,7 +4533,7 @@
           <a:p>
             <a:r>
               <a:rPr lang="en-US" sz="1201" dirty="0"/>
-              <a:t>execute()</a:t>
+              <a:t>execute(model, history)</a:t>
             </a:r>
           </a:p>
         </p:txBody>
@@ -8656,8 +8656,8 @@
         </p:nvCxnSpPr>
         <p:spPr>
           <a:xfrm flipV="1">
-            <a:off x="5099044" y="1748283"/>
-            <a:ext cx="922392" cy="1"/>
+            <a:off x="5099044" y="1748284"/>
+            <a:ext cx="722521" cy="1"/>
           </a:xfrm>
           <a:prstGeom prst="straightConnector1">
             <a:avLst/>
@@ -8694,8 +8694,8 @@
         </p:nvSpPr>
         <p:spPr>
           <a:xfrm>
-            <a:off x="4888191" y="2470151"/>
-            <a:ext cx="855809" cy="184794"/>
+            <a:off x="4150981" y="2457450"/>
+            <a:ext cx="1605719" cy="184794"/>
           </a:xfrm>
           <a:prstGeom prst="rect">
             <a:avLst/>
@@ -8721,7 +8721,7 @@
           <a:p>
             <a:r>
               <a:rPr lang="en-US" sz="1201" dirty="0"/>
-              <a:t>execute()</a:t>
+              <a:t>execute(model, history)</a:t>
             </a:r>
           </a:p>
         </p:txBody>
@@ -9361,8 +9361,8 @@
         </p:nvSpPr>
         <p:spPr>
           <a:xfrm>
-            <a:off x="5999053" y="1496206"/>
-            <a:ext cx="1217547" cy="461537"/>
+            <a:off x="5818855" y="1479550"/>
+            <a:ext cx="1571878" cy="461537"/>
           </a:xfrm>
           <a:prstGeom prst="rect">
             <a:avLst/>
@@ -9402,7 +9402,7 @@
                   <a:schemeClr val="bg1"/>
                 </a:solidFill>
               </a:rPr>
-              <a:t>c:Change</a:t>
+              <a:t>c:ChangeDirectory</a:t>
             </a:r>
             <a:br>
               <a:rPr lang="en-US" sz="1400" dirty="0">
@@ -10781,8 +10781,8 @@
         </p:nvSpPr>
         <p:spPr>
           <a:xfrm>
-            <a:off x="178593" y="417147"/>
-            <a:ext cx="8336699" cy="5482004"/>
+            <a:off x="483394" y="417147"/>
+            <a:ext cx="7362260" cy="5482004"/>
           </a:xfrm>
           <a:prstGeom prst="roundRect">
             <a:avLst>
@@ -10845,7 +10845,7 @@
         </p:nvSpPr>
         <p:spPr>
           <a:xfrm>
-            <a:off x="8665936" y="417145"/>
+            <a:off x="7917030" y="417146"/>
             <a:ext cx="1448484" cy="5482005"/>
           </a:xfrm>
           <a:prstGeom prst="roundRect">
@@ -10908,7 +10908,7 @@
         </p:nvSpPr>
         <p:spPr>
           <a:xfrm>
-            <a:off x="8804232" y="817994"/>
+            <a:off x="8017669" y="817995"/>
             <a:ext cx="1219187" cy="484302"/>
           </a:xfrm>
           <a:prstGeom prst="rect">
@@ -10964,13 +10964,12 @@
           <p:cNvPr id="5" name="Straight Connector 4"/>
           <p:cNvCxnSpPr>
             <a:cxnSpLocks/>
-            <a:endCxn id="81" idx="2"/>
           </p:cNvCxnSpPr>
           <p:nvPr/>
         </p:nvCxnSpPr>
         <p:spPr>
           <a:xfrm flipH="1">
-            <a:off x="9390178" y="1270795"/>
+            <a:off x="8555547" y="1270796"/>
             <a:ext cx="45086" cy="4628355"/>
           </a:xfrm>
           <a:prstGeom prst="line">
@@ -11011,7 +11010,7 @@
         </p:nvSpPr>
         <p:spPr>
           <a:xfrm>
-            <a:off x="9355314" y="1703144"/>
+            <a:off x="8497664" y="1703712"/>
             <a:ext cx="168271" cy="327492"/>
           </a:xfrm>
           <a:prstGeom prst="rect">
@@ -11059,9 +11058,9 @@
           <p:nvPr/>
         </p:nvCxnSpPr>
         <p:spPr>
-          <a:xfrm flipV="1">
-            <a:off x="1646965" y="2424476"/>
-            <a:ext cx="7708349" cy="1"/>
+          <a:xfrm>
+            <a:off x="1646965" y="2424479"/>
+            <a:ext cx="6837206" cy="3659"/>
           </a:xfrm>
           <a:prstGeom prst="straightConnector1">
             <a:avLst/>
@@ -11142,8 +11141,8 @@
         </p:nvCxnSpPr>
         <p:spPr>
           <a:xfrm>
-            <a:off x="-18878" y="5532097"/>
-            <a:ext cx="1514835" cy="0"/>
+            <a:off x="296680" y="5532097"/>
+            <a:ext cx="1199277" cy="0"/>
           </a:xfrm>
           <a:prstGeom prst="straightConnector1">
             <a:avLst/>
@@ -11186,7 +11185,7 @@
         </p:nvSpPr>
         <p:spPr>
           <a:xfrm>
-            <a:off x="949839" y="728425"/>
+            <a:off x="949839" y="641350"/>
             <a:ext cx="1264490" cy="503557"/>
           </a:xfrm>
           <a:prstGeom prst="rect">
@@ -11368,7 +11367,7 @@
         <p:spPr>
           <a:xfrm>
             <a:off x="1569494" y="1708150"/>
-            <a:ext cx="7785820" cy="0"/>
+            <a:ext cx="6928170" cy="0"/>
           </a:xfrm>
           <a:prstGeom prst="straightConnector1">
             <a:avLst/>
@@ -11532,7 +11531,7 @@
         </p:nvSpPr>
         <p:spPr>
           <a:xfrm>
-            <a:off x="5127565" y="4017540"/>
+            <a:off x="4902994" y="4017540"/>
             <a:ext cx="1264490" cy="503557"/>
           </a:xfrm>
           <a:prstGeom prst="rect">
@@ -11759,7 +11758,7 @@
         <p:spPr>
           <a:xfrm>
             <a:off x="1626225" y="2039094"/>
-            <a:ext cx="7729089" cy="0"/>
+            <a:ext cx="7015047" cy="0"/>
           </a:xfrm>
           <a:prstGeom prst="straightConnector1">
             <a:avLst/>
@@ -11857,13 +11856,14 @@
           </p:cNvPr>
           <p:cNvCxnSpPr>
             <a:cxnSpLocks/>
+            <a:endCxn id="104" idx="2"/>
           </p:cNvCxnSpPr>
           <p:nvPr/>
         </p:nvCxnSpPr>
         <p:spPr>
           <a:xfrm>
-            <a:off x="1650628" y="2690861"/>
-            <a:ext cx="7704686" cy="0"/>
+            <a:off x="1636412" y="2682964"/>
+            <a:ext cx="6945389" cy="0"/>
           </a:xfrm>
           <a:prstGeom prst="straightConnector1">
             <a:avLst/>
@@ -12165,7 +12165,7 @@
         <p:spPr>
           <a:xfrm>
             <a:off x="1626225" y="4269319"/>
-            <a:ext cx="3501340" cy="0"/>
+            <a:ext cx="3276769" cy="0"/>
           </a:xfrm>
           <a:prstGeom prst="straightConnector1">
             <a:avLst/>
@@ -12208,7 +12208,7 @@
         </p:nvSpPr>
         <p:spPr>
           <a:xfrm>
-            <a:off x="1942413" y="4003690"/>
+            <a:off x="1942413" y="4029090"/>
             <a:ext cx="2960668" cy="184666"/>
           </a:xfrm>
           <a:prstGeom prst="rect">
@@ -12302,7 +12302,7 @@
         </p:nvSpPr>
         <p:spPr>
           <a:xfrm>
-            <a:off x="5692630" y="4528667"/>
+            <a:off x="5468059" y="4529594"/>
             <a:ext cx="132130" cy="197978"/>
           </a:xfrm>
           <a:prstGeom prst="rect">
@@ -12360,9 +12360,9 @@
           <p:nvPr/>
         </p:nvCxnSpPr>
         <p:spPr>
-          <a:xfrm flipV="1">
-            <a:off x="1637800" y="4726645"/>
-            <a:ext cx="4064332" cy="7570"/>
+          <a:xfrm>
+            <a:off x="1637800" y="4734215"/>
+            <a:ext cx="3830259" cy="0"/>
           </a:xfrm>
           <a:prstGeom prst="straightConnector1">
             <a:avLst/>
@@ -12407,7 +12407,7 @@
         </p:nvSpPr>
         <p:spPr>
           <a:xfrm>
-            <a:off x="2724623" y="4455996"/>
+            <a:off x="2724623" y="4506796"/>
             <a:ext cx="1192626" cy="184666"/>
           </a:xfrm>
           <a:prstGeom prst="rect">
@@ -12461,7 +12461,7 @@
         </p:nvCxnSpPr>
         <p:spPr>
           <a:xfrm>
-            <a:off x="5772019" y="4745689"/>
+            <a:off x="5547448" y="4745689"/>
             <a:ext cx="0" cy="1153461"/>
           </a:xfrm>
           <a:prstGeom prst="line">
@@ -12508,8 +12508,8 @@
         </p:nvCxnSpPr>
         <p:spPr>
           <a:xfrm>
-            <a:off x="0" y="1627721"/>
-            <a:ext cx="1514835" cy="0"/>
+            <a:off x="296680" y="1627721"/>
+            <a:ext cx="1218155" cy="0"/>
           </a:xfrm>
           <a:prstGeom prst="straightConnector1">
             <a:avLst/>
@@ -12552,8 +12552,8 @@
         </p:nvSpPr>
         <p:spPr>
           <a:xfrm>
-            <a:off x="231467" y="1385025"/>
-            <a:ext cx="1264490" cy="184794"/>
+            <a:off x="330994" y="1221481"/>
+            <a:ext cx="1264490" cy="369588"/>
           </a:xfrm>
           <a:prstGeom prst="rect">
             <a:avLst/>
@@ -12566,14 +12566,25 @@
           </a:bodyPr>
           <a:lstStyle/>
           <a:p>
-            <a:pPr algn="r"/>
+            <a:pPr algn="ctr"/>
+            <a:r>
+              <a:rPr lang="en-US" sz="1201" dirty="0">
+                <a:solidFill>
+                  <a:srgbClr val="00B050"/>
+                </a:solidFill>
+              </a:rPr>
+              <a:t>handle</a:t>
+            </a:r>
+          </a:p>
+          <a:p>
+            <a:pPr algn="ctr"/>
             <a:r>
               <a:rPr lang="en-US" sz="1201" dirty="0" err="1">
                 <a:solidFill>
                   <a:srgbClr val="00B050"/>
                 </a:solidFill>
               </a:rPr>
-              <a:t>handleEnterFolder</a:t>
+              <a:t>EnterFolder</a:t>
             </a:r>
             <a:r>
               <a:rPr lang="en-US" sz="1201" dirty="0">
@@ -12602,8 +12613,8 @@
         </p:nvSpPr>
         <p:spPr>
           <a:xfrm>
-            <a:off x="9355315" y="2394835"/>
-            <a:ext cx="168271" cy="287561"/>
+            <a:off x="8497666" y="2432619"/>
+            <a:ext cx="168270" cy="250345"/>
           </a:xfrm>
           <a:prstGeom prst="rect">
             <a:avLst/>
@@ -12655,7 +12666,7 @@
         </p:nvSpPr>
         <p:spPr>
           <a:xfrm>
-            <a:off x="6542171" y="723785"/>
+            <a:off x="5741194" y="723785"/>
             <a:ext cx="1789823" cy="503557"/>
           </a:xfrm>
           <a:prstGeom prst="rect">
@@ -12722,7 +12733,7 @@
         </p:nvCxnSpPr>
         <p:spPr>
           <a:xfrm>
-            <a:off x="7432172" y="1166630"/>
+            <a:off x="6631195" y="1166630"/>
             <a:ext cx="0" cy="4732520"/>
           </a:xfrm>
           <a:prstGeom prst="line">
@@ -12770,7 +12781,7 @@
         <p:spPr>
           <a:xfrm>
             <a:off x="1561170" y="5128688"/>
-            <a:ext cx="5783105" cy="0"/>
+            <a:ext cx="4992379" cy="0"/>
           </a:xfrm>
           <a:prstGeom prst="straightConnector1">
             <a:avLst/>
@@ -12875,8 +12886,8 @@
         </p:nvSpPr>
         <p:spPr>
           <a:xfrm>
-            <a:off x="7354526" y="5086960"/>
-            <a:ext cx="121572" cy="266083"/>
+            <a:off x="6553549" y="5128687"/>
+            <a:ext cx="121561" cy="224356"/>
           </a:xfrm>
           <a:prstGeom prst="rect">
             <a:avLst/>
@@ -12935,7 +12946,7 @@
         <p:spPr>
           <a:xfrm>
             <a:off x="1626225" y="5353050"/>
-            <a:ext cx="5718050" cy="0"/>
+            <a:ext cx="4927324" cy="0"/>
           </a:xfrm>
           <a:prstGeom prst="straightConnector1">
             <a:avLst/>
